--- a/Курсовая работа.pptx
+++ b/Курсовая работа.pptx
@@ -212,7 +212,7 @@
           <a:p>
             <a:fld id="{D1FCA09A-8F68-42FB-BA4E-12A21E5293BC}" type="datetimeFigureOut">
               <a:rPr lang="ru-RU" smtClean="0"/>
-              <a:t>14.03.2025</a:t>
+              <a:t>17.03.2025</a:t>
             </a:fld>
             <a:endParaRPr lang="ru-RU"/>
           </a:p>
@@ -759,7 +759,7 @@
           <a:p>
             <a:fld id="{369E4D74-64A3-4875-9FF5-487968988EBC}" type="datetimeFigureOut">
               <a:rPr lang="ru-RU" smtClean="0"/>
-              <a:t>14.03.2025</a:t>
+              <a:t>17.03.2025</a:t>
             </a:fld>
             <a:endParaRPr lang="ru-RU"/>
           </a:p>
@@ -1040,7 +1040,7 @@
           <a:p>
             <a:fld id="{369E4D74-64A3-4875-9FF5-487968988EBC}" type="datetimeFigureOut">
               <a:rPr lang="ru-RU" smtClean="0"/>
-              <a:t>14.03.2025</a:t>
+              <a:t>17.03.2025</a:t>
             </a:fld>
             <a:endParaRPr lang="ru-RU"/>
           </a:p>
@@ -1232,7 +1232,7 @@
           <a:p>
             <a:fld id="{369E4D74-64A3-4875-9FF5-487968988EBC}" type="datetimeFigureOut">
               <a:rPr lang="ru-RU" smtClean="0"/>
-              <a:t>14.03.2025</a:t>
+              <a:t>17.03.2025</a:t>
             </a:fld>
             <a:endParaRPr lang="ru-RU"/>
           </a:p>
@@ -1493,7 +1493,7 @@
           <a:p>
             <a:fld id="{369E4D74-64A3-4875-9FF5-487968988EBC}" type="datetimeFigureOut">
               <a:rPr lang="ru-RU" smtClean="0"/>
-              <a:t>14.03.2025</a:t>
+              <a:t>17.03.2025</a:t>
             </a:fld>
             <a:endParaRPr lang="ru-RU"/>
           </a:p>
@@ -1919,7 +1919,7 @@
           <a:p>
             <a:fld id="{369E4D74-64A3-4875-9FF5-487968988EBC}" type="datetimeFigureOut">
               <a:rPr lang="ru-RU" smtClean="0"/>
-              <a:t>14.03.2025</a:t>
+              <a:t>17.03.2025</a:t>
             </a:fld>
             <a:endParaRPr lang="ru-RU"/>
           </a:p>
@@ -2465,7 +2465,7 @@
           <a:p>
             <a:fld id="{369E4D74-64A3-4875-9FF5-487968988EBC}" type="datetimeFigureOut">
               <a:rPr lang="ru-RU" smtClean="0"/>
-              <a:t>14.03.2025</a:t>
+              <a:t>17.03.2025</a:t>
             </a:fld>
             <a:endParaRPr lang="ru-RU"/>
           </a:p>
@@ -3296,7 +3296,7 @@
           <a:p>
             <a:fld id="{369E4D74-64A3-4875-9FF5-487968988EBC}" type="datetimeFigureOut">
               <a:rPr lang="ru-RU" smtClean="0"/>
-              <a:t>14.03.2025</a:t>
+              <a:t>17.03.2025</a:t>
             </a:fld>
             <a:endParaRPr lang="ru-RU"/>
           </a:p>
@@ -3466,7 +3466,7 @@
           <a:p>
             <a:fld id="{369E4D74-64A3-4875-9FF5-487968988EBC}" type="datetimeFigureOut">
               <a:rPr lang="ru-RU" smtClean="0"/>
-              <a:t>14.03.2025</a:t>
+              <a:t>17.03.2025</a:t>
             </a:fld>
             <a:endParaRPr lang="ru-RU"/>
           </a:p>
@@ -3646,7 +3646,7 @@
           <a:p>
             <a:fld id="{369E4D74-64A3-4875-9FF5-487968988EBC}" type="datetimeFigureOut">
               <a:rPr lang="ru-RU" smtClean="0"/>
-              <a:t>14.03.2025</a:t>
+              <a:t>17.03.2025</a:t>
             </a:fld>
             <a:endParaRPr lang="ru-RU"/>
           </a:p>
@@ -3816,7 +3816,7 @@
           <a:p>
             <a:fld id="{369E4D74-64A3-4875-9FF5-487968988EBC}" type="datetimeFigureOut">
               <a:rPr lang="ru-RU" smtClean="0"/>
-              <a:t>14.03.2025</a:t>
+              <a:t>17.03.2025</a:t>
             </a:fld>
             <a:endParaRPr lang="ru-RU"/>
           </a:p>
@@ -4073,7 +4073,7 @@
           <a:p>
             <a:fld id="{369E4D74-64A3-4875-9FF5-487968988EBC}" type="datetimeFigureOut">
               <a:rPr lang="ru-RU" smtClean="0"/>
-              <a:t>14.03.2025</a:t>
+              <a:t>17.03.2025</a:t>
             </a:fld>
             <a:endParaRPr lang="ru-RU"/>
           </a:p>
@@ -4305,7 +4305,7 @@
           <a:p>
             <a:fld id="{369E4D74-64A3-4875-9FF5-487968988EBC}" type="datetimeFigureOut">
               <a:rPr lang="ru-RU" smtClean="0"/>
-              <a:t>14.03.2025</a:t>
+              <a:t>17.03.2025</a:t>
             </a:fld>
             <a:endParaRPr lang="ru-RU"/>
           </a:p>
@@ -4698,7 +4698,7 @@
           <a:p>
             <a:fld id="{369E4D74-64A3-4875-9FF5-487968988EBC}" type="datetimeFigureOut">
               <a:rPr lang="ru-RU" smtClean="0"/>
-              <a:t>14.03.2025</a:t>
+              <a:t>17.03.2025</a:t>
             </a:fld>
             <a:endParaRPr lang="ru-RU"/>
           </a:p>
@@ -4816,7 +4816,7 @@
           <a:p>
             <a:fld id="{369E4D74-64A3-4875-9FF5-487968988EBC}" type="datetimeFigureOut">
               <a:rPr lang="ru-RU" smtClean="0"/>
-              <a:t>14.03.2025</a:t>
+              <a:t>17.03.2025</a:t>
             </a:fld>
             <a:endParaRPr lang="ru-RU"/>
           </a:p>
@@ -4911,7 +4911,7 @@
           <a:p>
             <a:fld id="{369E4D74-64A3-4875-9FF5-487968988EBC}" type="datetimeFigureOut">
               <a:rPr lang="ru-RU" smtClean="0"/>
-              <a:t>14.03.2025</a:t>
+              <a:t>17.03.2025</a:t>
             </a:fld>
             <a:endParaRPr lang="ru-RU"/>
           </a:p>
@@ -5184,7 +5184,7 @@
           <a:p>
             <a:fld id="{369E4D74-64A3-4875-9FF5-487968988EBC}" type="datetimeFigureOut">
               <a:rPr lang="ru-RU" smtClean="0"/>
-              <a:t>14.03.2025</a:t>
+              <a:t>17.03.2025</a:t>
             </a:fld>
             <a:endParaRPr lang="ru-RU"/>
           </a:p>
@@ -5465,7 +5465,7 @@
           <a:p>
             <a:fld id="{369E4D74-64A3-4875-9FF5-487968988EBC}" type="datetimeFigureOut">
               <a:rPr lang="ru-RU" smtClean="0"/>
-              <a:t>14.03.2025</a:t>
+              <a:t>17.03.2025</a:t>
             </a:fld>
             <a:endParaRPr lang="ru-RU"/>
           </a:p>
@@ -5705,7 +5705,7 @@
           <a:p>
             <a:fld id="{369E4D74-64A3-4875-9FF5-487968988EBC}" type="datetimeFigureOut">
               <a:rPr lang="ru-RU" smtClean="0"/>
-              <a:t>14.03.2025</a:t>
+              <a:t>17.03.2025</a:t>
             </a:fld>
             <a:endParaRPr lang="ru-RU"/>
           </a:p>
@@ -6679,7 +6679,18 @@
                 <a:latin typeface="Times New Roman" panose="02020603050405020304" pitchFamily="18" charset="0"/>
                 <a:cs typeface="Times New Roman" panose="02020603050405020304" pitchFamily="18" charset="0"/>
               </a:rPr>
-              <a:t>Тема: База данных для контроля успеваемости школьников</a:t>
+              <a:t>Тема: База данных </a:t>
+            </a:r>
+            <a:r>
+              <a:rPr lang="ru-RU" sz="2800" b="1">
+                <a:solidFill>
+                  <a:schemeClr val="tx1"/>
+                </a:solidFill>
+                <a:effectLst/>
+                <a:latin typeface="Times New Roman" panose="02020603050405020304" pitchFamily="18" charset="0"/>
+                <a:cs typeface="Times New Roman" panose="02020603050405020304" pitchFamily="18" charset="0"/>
+              </a:rPr>
+              <a:t>торговой организации</a:t>
             </a:r>
             <a:endParaRPr lang="ru-RU" sz="2800" b="1" dirty="0">
               <a:solidFill>
